--- a/AAB 7th SEM.pptx
+++ b/AAB 7th SEM.pptx
@@ -5,7 +5,7 @@
     <p:sldMasterId id="2147483648" r:id="rId1"/>
   </p:sldMasterIdLst>
   <p:notesMasterIdLst>
-    <p:notesMasterId r:id="rId26"/>
+    <p:notesMasterId r:id="rId25"/>
   </p:notesMasterIdLst>
   <p:sldIdLst>
     <p:sldId id="256" r:id="rId2"/>
@@ -26,12 +26,11 @@
     <p:sldId id="285" r:id="rId17"/>
     <p:sldId id="286" r:id="rId18"/>
     <p:sldId id="263" r:id="rId19"/>
-    <p:sldId id="282" r:id="rId20"/>
-    <p:sldId id="277" r:id="rId21"/>
+    <p:sldId id="277" r:id="rId20"/>
+    <p:sldId id="276" r:id="rId21"/>
     <p:sldId id="265" r:id="rId22"/>
     <p:sldId id="266" r:id="rId23"/>
-    <p:sldId id="276" r:id="rId24"/>
-    <p:sldId id="267" r:id="rId25"/>
+    <p:sldId id="267" r:id="rId24"/>
   </p:sldIdLst>
   <p:sldSz cx="12192000" cy="6858000"/>
   <p:notesSz cx="6858000" cy="9144000"/>
@@ -220,7 +219,7 @@
           <a:p>
             <a:fld id="{E97F332B-EC31-42AA-B578-E2A2FFC19129}" type="datetimeFigureOut">
               <a:rPr lang="en-IN" smtClean="0"/>
-              <a:t>11-12-2022</a:t>
+              <a:t>12-12-2022</a:t>
             </a:fld>
             <a:endParaRPr lang="en-IN"/>
           </a:p>
@@ -614,7 +613,7 @@
           <a:p>
             <a:fld id="{F3B14BD2-5691-44C6-ADB4-3E5EC848E17B}" type="datetime1">
               <a:rPr lang="en-IN" smtClean="0"/>
-              <a:t>11-12-2022</a:t>
+              <a:t>12-12-2022</a:t>
             </a:fld>
             <a:endParaRPr lang="en-IN"/>
           </a:p>
@@ -783,7 +782,7 @@
           <a:p>
             <a:fld id="{5A085192-09B6-42CC-92C1-D3FFB5368BF4}" type="datetime1">
               <a:rPr lang="en-IN" smtClean="0"/>
-              <a:t>11-12-2022</a:t>
+              <a:t>12-12-2022</a:t>
             </a:fld>
             <a:endParaRPr lang="en-IN"/>
           </a:p>
@@ -962,7 +961,7 @@
           <a:p>
             <a:fld id="{EA0BE24B-C4EB-4846-B988-64E9319F5990}" type="datetime1">
               <a:rPr lang="en-IN" smtClean="0"/>
-              <a:t>11-12-2022</a:t>
+              <a:t>12-12-2022</a:t>
             </a:fld>
             <a:endParaRPr lang="en-IN"/>
           </a:p>
@@ -1131,7 +1130,7 @@
           <a:p>
             <a:fld id="{F0E69E8F-11E6-45BE-B1B3-9662443C5A91}" type="datetime1">
               <a:rPr lang="en-IN" smtClean="0"/>
-              <a:t>11-12-2022</a:t>
+              <a:t>12-12-2022</a:t>
             </a:fld>
             <a:endParaRPr lang="en-IN"/>
           </a:p>
@@ -1376,7 +1375,7 @@
           <a:p>
             <a:fld id="{6EA2B5EC-FEE2-4E8F-94AB-FB09A6210A41}" type="datetime1">
               <a:rPr lang="en-IN" smtClean="0"/>
-              <a:t>11-12-2022</a:t>
+              <a:t>12-12-2022</a:t>
             </a:fld>
             <a:endParaRPr lang="en-IN"/>
           </a:p>
@@ -1607,7 +1606,7 @@
           <a:p>
             <a:fld id="{B2265467-4A1C-440D-855E-3EEF62B68F3C}" type="datetime1">
               <a:rPr lang="en-IN" smtClean="0"/>
-              <a:t>11-12-2022</a:t>
+              <a:t>12-12-2022</a:t>
             </a:fld>
             <a:endParaRPr lang="en-IN"/>
           </a:p>
@@ -1973,7 +1972,7 @@
           <a:p>
             <a:fld id="{09624A50-A955-4E0E-AD83-93335BDB8D35}" type="datetime1">
               <a:rPr lang="en-IN" smtClean="0"/>
-              <a:t>11-12-2022</a:t>
+              <a:t>12-12-2022</a:t>
             </a:fld>
             <a:endParaRPr lang="en-IN"/>
           </a:p>
@@ -2090,7 +2089,7 @@
           <a:p>
             <a:fld id="{2997A4CB-04A0-4666-8584-0123758B8003}" type="datetime1">
               <a:rPr lang="en-IN" smtClean="0"/>
-              <a:t>11-12-2022</a:t>
+              <a:t>12-12-2022</a:t>
             </a:fld>
             <a:endParaRPr lang="en-IN"/>
           </a:p>
@@ -2184,7 +2183,7 @@
           <a:p>
             <a:fld id="{CB68FA33-CEEF-452C-A084-8C1AAE512005}" type="datetime1">
               <a:rPr lang="en-IN" smtClean="0"/>
-              <a:t>11-12-2022</a:t>
+              <a:t>12-12-2022</a:t>
             </a:fld>
             <a:endParaRPr lang="en-IN"/>
           </a:p>
@@ -2460,7 +2459,7 @@
           <a:p>
             <a:fld id="{AB9141BF-EDA2-4E9C-92C6-879C2465C6DA}" type="datetime1">
               <a:rPr lang="en-IN" smtClean="0"/>
-              <a:t>11-12-2022</a:t>
+              <a:t>12-12-2022</a:t>
             </a:fld>
             <a:endParaRPr lang="en-IN"/>
           </a:p>
@@ -2712,7 +2711,7 @@
           <a:p>
             <a:fld id="{BA618612-FDDF-4CA7-AA5E-E31FB373C1A7}" type="datetime1">
               <a:rPr lang="en-IN" smtClean="0"/>
-              <a:t>11-12-2022</a:t>
+              <a:t>12-12-2022</a:t>
             </a:fld>
             <a:endParaRPr lang="en-IN"/>
           </a:p>
@@ -2924,7 +2923,7 @@
           <a:p>
             <a:fld id="{83DE9ED5-CC49-4098-A0E7-8846FA5D153C}" type="datetime1">
               <a:rPr lang="en-IN" smtClean="0"/>
-              <a:t>11-12-2022</a:t>
+              <a:t>12-12-2022</a:t>
             </a:fld>
             <a:endParaRPr lang="en-IN"/>
           </a:p>
@@ -4643,7 +4642,7 @@
         <p:spPr>
           <a:xfrm>
             <a:off x="3048000" y="209034"/>
-            <a:ext cx="6096000" cy="461665"/>
+            <a:ext cx="6096000" cy="523220"/>
           </a:xfrm>
           <a:prstGeom prst="rect">
             <a:avLst/>
@@ -4658,14 +4657,14 @@
           <a:p>
             <a:pPr algn="ctr"/>
             <a:r>
-              <a:rPr lang="en-US" sz="2400" b="1" dirty="0">
+              <a:rPr lang="en-US" sz="2800" b="1" dirty="0">
                 <a:latin typeface="Times New Roman" panose="02020603050405020304" pitchFamily="18" charset="0"/>
                 <a:cs typeface="Times New Roman" panose="02020603050405020304" pitchFamily="18" charset="0"/>
               </a:rPr>
               <a:t>M</a:t>
             </a:r>
             <a:r>
-              <a:rPr lang="en-IN" sz="2400" b="1" dirty="0">
+              <a:rPr lang="en-IN" sz="2800" b="1" dirty="0">
                 <a:latin typeface="Times New Roman" panose="02020603050405020304" pitchFamily="18" charset="0"/>
                 <a:cs typeface="Times New Roman" panose="02020603050405020304" pitchFamily="18" charset="0"/>
               </a:rPr>
@@ -4884,7 +4883,7 @@
         <p:spPr>
           <a:xfrm>
             <a:off x="3048000" y="209034"/>
-            <a:ext cx="6096000" cy="461665"/>
+            <a:ext cx="6096000" cy="523220"/>
           </a:xfrm>
           <a:prstGeom prst="rect">
             <a:avLst/>
@@ -4899,14 +4898,14 @@
           <a:p>
             <a:pPr algn="ctr"/>
             <a:r>
-              <a:rPr lang="en-US" sz="2400" b="1" dirty="0">
+              <a:rPr lang="en-US" sz="2800" b="1" dirty="0">
                 <a:latin typeface="Times New Roman" panose="02020603050405020304" pitchFamily="18" charset="0"/>
                 <a:cs typeface="Times New Roman" panose="02020603050405020304" pitchFamily="18" charset="0"/>
               </a:rPr>
               <a:t>M</a:t>
             </a:r>
             <a:r>
-              <a:rPr lang="en-IN" sz="2400" b="1" dirty="0">
+              <a:rPr lang="en-IN" sz="2800" b="1" dirty="0">
                 <a:latin typeface="Times New Roman" panose="02020603050405020304" pitchFamily="18" charset="0"/>
                 <a:cs typeface="Times New Roman" panose="02020603050405020304" pitchFamily="18" charset="0"/>
               </a:rPr>
@@ -5253,7 +5252,7 @@
         <p:spPr>
           <a:xfrm>
             <a:off x="3048000" y="209034"/>
-            <a:ext cx="6096000" cy="461665"/>
+            <a:ext cx="6096000" cy="523220"/>
           </a:xfrm>
           <a:prstGeom prst="rect">
             <a:avLst/>
@@ -5268,14 +5267,14 @@
           <a:p>
             <a:pPr algn="ctr"/>
             <a:r>
-              <a:rPr lang="en-US" sz="2400" b="1" dirty="0">
+              <a:rPr lang="en-US" sz="2800" b="1" dirty="0">
                 <a:latin typeface="Times New Roman" panose="02020603050405020304" pitchFamily="18" charset="0"/>
                 <a:cs typeface="Times New Roman" panose="02020603050405020304" pitchFamily="18" charset="0"/>
               </a:rPr>
               <a:t>M</a:t>
             </a:r>
             <a:r>
-              <a:rPr lang="en-IN" sz="2400" b="1" dirty="0">
+              <a:rPr lang="en-IN" sz="2800" b="1" dirty="0">
                 <a:latin typeface="Times New Roman" panose="02020603050405020304" pitchFamily="18" charset="0"/>
                 <a:cs typeface="Times New Roman" panose="02020603050405020304" pitchFamily="18" charset="0"/>
               </a:rPr>
@@ -5499,7 +5498,7 @@
         <p:spPr>
           <a:xfrm>
             <a:off x="3048000" y="164004"/>
-            <a:ext cx="6096000" cy="461665"/>
+            <a:ext cx="6096000" cy="523220"/>
           </a:xfrm>
           <a:prstGeom prst="rect">
             <a:avLst/>
@@ -5514,14 +5513,14 @@
           <a:p>
             <a:pPr algn="ctr"/>
             <a:r>
-              <a:rPr lang="en-US" sz="2400" b="1" dirty="0">
+              <a:rPr lang="en-US" sz="2800" b="1" dirty="0">
                 <a:latin typeface="Times New Roman" panose="02020603050405020304" pitchFamily="18" charset="0"/>
                 <a:cs typeface="Times New Roman" panose="02020603050405020304" pitchFamily="18" charset="0"/>
               </a:rPr>
               <a:t>M</a:t>
             </a:r>
             <a:r>
-              <a:rPr lang="en-IN" sz="2400" b="1" dirty="0">
+              <a:rPr lang="en-IN" sz="2800" b="1" dirty="0">
                 <a:latin typeface="Times New Roman" panose="02020603050405020304" pitchFamily="18" charset="0"/>
                 <a:cs typeface="Times New Roman" panose="02020603050405020304" pitchFamily="18" charset="0"/>
               </a:rPr>
@@ -6216,7 +6215,7 @@
         </p:nvSpPr>
         <p:spPr>
           <a:xfrm>
-            <a:off x="4565892" y="725007"/>
+            <a:off x="4565892" y="356446"/>
             <a:ext cx="3060214" cy="523220"/>
           </a:xfrm>
           <a:prstGeom prst="rect">
@@ -6639,7 +6638,7 @@
         <p:spPr>
           <a:xfrm>
             <a:off x="3048000" y="209034"/>
-            <a:ext cx="6096000" cy="461665"/>
+            <a:ext cx="6096000" cy="523220"/>
           </a:xfrm>
           <a:prstGeom prst="rect">
             <a:avLst/>
@@ -6654,408 +6653,11 @@
           <a:p>
             <a:pPr algn="ctr"/>
             <a:r>
-              <a:rPr lang="en-US" sz="2400" b="1" dirty="0">
-                <a:latin typeface="Times New Roman" panose="02020603050405020304" pitchFamily="18" charset="0"/>
-                <a:cs typeface="Times New Roman" panose="02020603050405020304" pitchFamily="18" charset="0"/>
-              </a:rPr>
-              <a:t>RESULT</a:t>
-            </a:r>
-            <a:endParaRPr lang="en-IN" sz="2400" b="1" dirty="0">
-              <a:latin typeface="Times New Roman" panose="02020603050405020304" pitchFamily="18" charset="0"/>
-              <a:cs typeface="Times New Roman" panose="02020603050405020304" pitchFamily="18" charset="0"/>
-            </a:endParaRPr>
-          </a:p>
-        </p:txBody>
-      </p:sp>
-      <p:sp>
-        <p:nvSpPr>
-          <p:cNvPr id="7" name="Footer Placeholder 6"/>
-          <p:cNvSpPr>
-            <a:spLocks noGrp="1"/>
-          </p:cNvSpPr>
-          <p:nvPr>
-            <p:ph type="ftr" sz="quarter" idx="11"/>
-          </p:nvPr>
-        </p:nvSpPr>
-        <p:spPr/>
-        <p:txBody>
-          <a:bodyPr/>
-          <a:lstStyle/>
-          <a:p>
-            <a:r>
-              <a:rPr lang="en-US"/>
-              <a:t>Dept. of ECE, AJIET</a:t>
-            </a:r>
-            <a:endParaRPr lang="en-IN"/>
-          </a:p>
-        </p:txBody>
-      </p:sp>
-      <p:pic>
-        <p:nvPicPr>
-          <p:cNvPr id="8" name="Google Shape;59;p13"/>
-          <p:cNvPicPr preferRelativeResize="0"/>
-          <p:nvPr/>
-        </p:nvPicPr>
-        <p:blipFill rotWithShape="1">
-          <a:blip r:embed="rId2"/>
-          <a:srcRect/>
-          <a:stretch>
-            <a:fillRect/>
-          </a:stretch>
-        </p:blipFill>
-        <p:spPr>
-          <a:xfrm>
-            <a:off x="11293156" y="146822"/>
-            <a:ext cx="770213" cy="584775"/>
-          </a:xfrm>
-          <a:prstGeom prst="rect">
-            <a:avLst/>
-          </a:prstGeom>
-          <a:noFill/>
-          <a:ln>
-            <a:noFill/>
-          </a:ln>
-        </p:spPr>
-      </p:pic>
-      <p:sp>
-        <p:nvSpPr>
-          <p:cNvPr id="9" name="Slide Number Placeholder 8"/>
-          <p:cNvSpPr>
-            <a:spLocks noGrp="1"/>
-          </p:cNvSpPr>
-          <p:nvPr>
-            <p:ph type="sldNum" sz="quarter" idx="12"/>
-          </p:nvPr>
-        </p:nvSpPr>
-        <p:spPr/>
-        <p:txBody>
-          <a:bodyPr/>
-          <a:lstStyle/>
-          <a:p>
-            <a:fld id="{6DD64AC5-D0B9-4021-91F6-F3C5686DA524}" type="slidenum">
-              <a:rPr lang="en-IN" smtClean="0"/>
-              <a:t>19</a:t>
-            </a:fld>
-            <a:endParaRPr lang="en-IN"/>
-          </a:p>
-        </p:txBody>
-      </p:sp>
-    </p:spTree>
-    <p:extLst>
-      <p:ext uri="{BB962C8B-B14F-4D97-AF65-F5344CB8AC3E}">
-        <p14:creationId xmlns:p14="http://schemas.microsoft.com/office/powerpoint/2010/main" val="3853184162"/>
-      </p:ext>
-    </p:extLst>
-  </p:cSld>
-  <p:clrMapOvr>
-    <a:masterClrMapping/>
-  </p:clrMapOvr>
-</p:sld>
-</file>
-
-<file path=ppt/slides/slide2.xml><?xml version="1.0" encoding="utf-8"?>
-<p:sld xmlns:a="http://schemas.openxmlformats.org/drawingml/2006/main" xmlns:r="http://schemas.openxmlformats.org/officeDocument/2006/relationships" xmlns:p="http://schemas.openxmlformats.org/presentationml/2006/main">
-  <p:cSld>
-    <p:spTree>
-      <p:nvGrpSpPr>
-        <p:cNvPr id="1" name=""/>
-        <p:cNvGrpSpPr/>
-        <p:nvPr/>
-      </p:nvGrpSpPr>
-      <p:grpSpPr>
-        <a:xfrm>
-          <a:off x="0" y="0"/>
-          <a:ext cx="0" cy="0"/>
-          <a:chOff x="0" y="0"/>
-          <a:chExt cx="0" cy="0"/>
-        </a:xfrm>
-      </p:grpSpPr>
-      <p:sp>
-        <p:nvSpPr>
-          <p:cNvPr id="2" name="TextBox 1"/>
-          <p:cNvSpPr txBox="1"/>
-          <p:nvPr/>
-        </p:nvSpPr>
-        <p:spPr>
-          <a:xfrm>
-            <a:off x="4874351" y="368300"/>
-            <a:ext cx="2159566" cy="523220"/>
-          </a:xfrm>
-          <a:prstGeom prst="rect">
-            <a:avLst/>
-          </a:prstGeom>
-          <a:noFill/>
-        </p:spPr>
-        <p:txBody>
-          <a:bodyPr wrap="none" rtlCol="0">
-            <a:spAutoFit/>
-          </a:bodyPr>
-          <a:lstStyle/>
-          <a:p>
-            <a:r>
-              <a:rPr lang="en-IN" sz="2800" b="1" dirty="0">
-                <a:latin typeface="Times New Roman" panose="02020603050405020304" pitchFamily="18" charset="0"/>
-                <a:cs typeface="Times New Roman" panose="02020603050405020304" pitchFamily="18" charset="0"/>
-              </a:rPr>
-              <a:t>CONTENTS</a:t>
-            </a:r>
-          </a:p>
-        </p:txBody>
-      </p:sp>
-      <p:sp>
-        <p:nvSpPr>
-          <p:cNvPr id="3" name="TextBox 2"/>
-          <p:cNvSpPr txBox="1"/>
-          <p:nvPr/>
-        </p:nvSpPr>
-        <p:spPr>
-          <a:xfrm>
-            <a:off x="1270000" y="1193800"/>
-            <a:ext cx="2417650" cy="3046988"/>
-          </a:xfrm>
-          <a:prstGeom prst="rect">
-            <a:avLst/>
-          </a:prstGeom>
-          <a:noFill/>
-        </p:spPr>
-        <p:txBody>
-          <a:bodyPr wrap="none" rtlCol="0">
-            <a:spAutoFit/>
-          </a:bodyPr>
-          <a:lstStyle/>
-          <a:p>
-            <a:pPr marL="342900" indent="-342900">
-              <a:buFont typeface="Arial" panose="020B0604020202020204" pitchFamily="34" charset="0"/>
-              <a:buChar char="•"/>
-            </a:pPr>
-            <a:r>
-              <a:rPr lang="en-IN" sz="2400" dirty="0">
-                <a:latin typeface="Times New Roman" panose="02020603050405020304" pitchFamily="18" charset="0"/>
-                <a:cs typeface="Times New Roman" panose="02020603050405020304" pitchFamily="18" charset="0"/>
-              </a:rPr>
-              <a:t>Objective</a:t>
-            </a:r>
-          </a:p>
-          <a:p>
-            <a:pPr marL="342900" indent="-342900">
-              <a:buFont typeface="Arial" panose="020B0604020202020204" pitchFamily="34" charset="0"/>
-              <a:buChar char="•"/>
-            </a:pPr>
-            <a:r>
-              <a:rPr lang="en-IN" sz="2400" dirty="0">
-                <a:latin typeface="Times New Roman" panose="02020603050405020304" pitchFamily="18" charset="0"/>
-                <a:cs typeface="Times New Roman" panose="02020603050405020304" pitchFamily="18" charset="0"/>
-              </a:rPr>
-              <a:t>Introduction</a:t>
-            </a:r>
-          </a:p>
-          <a:p>
-            <a:pPr marL="342900" indent="-342900">
-              <a:buFont typeface="Arial" panose="020B0604020202020204" pitchFamily="34" charset="0"/>
-              <a:buChar char="•"/>
-            </a:pPr>
-            <a:r>
-              <a:rPr lang="en-IN" sz="2400" dirty="0">
-                <a:latin typeface="Times New Roman" panose="02020603050405020304" pitchFamily="18" charset="0"/>
-                <a:cs typeface="Times New Roman" panose="02020603050405020304" pitchFamily="18" charset="0"/>
-              </a:rPr>
-              <a:t>Block Diagram</a:t>
-            </a:r>
-          </a:p>
-          <a:p>
-            <a:pPr marL="342900" indent="-342900">
-              <a:buFont typeface="Arial" panose="020B0604020202020204" pitchFamily="34" charset="0"/>
-              <a:buChar char="•"/>
-            </a:pPr>
-            <a:r>
-              <a:rPr lang="en-IN" sz="2400" dirty="0">
-                <a:latin typeface="Times New Roman" panose="02020603050405020304" pitchFamily="18" charset="0"/>
-                <a:cs typeface="Times New Roman" panose="02020603050405020304" pitchFamily="18" charset="0"/>
-              </a:rPr>
-              <a:t>Methodology</a:t>
-            </a:r>
-          </a:p>
-          <a:p>
-            <a:pPr marL="342900" indent="-342900">
-              <a:buFont typeface="Arial" panose="020B0604020202020204" pitchFamily="34" charset="0"/>
-              <a:buChar char="•"/>
-            </a:pPr>
-            <a:r>
-              <a:rPr lang="en-IN" sz="2400" dirty="0">
-                <a:latin typeface="Times New Roman" panose="02020603050405020304" pitchFamily="18" charset="0"/>
-                <a:cs typeface="Times New Roman" panose="02020603050405020304" pitchFamily="18" charset="0"/>
-              </a:rPr>
-              <a:t>Result</a:t>
-            </a:r>
-          </a:p>
-          <a:p>
-            <a:pPr marL="342900" indent="-342900">
-              <a:buFont typeface="Arial" panose="020B0604020202020204" pitchFamily="34" charset="0"/>
-              <a:buChar char="•"/>
-            </a:pPr>
-            <a:r>
-              <a:rPr lang="en-IN" sz="2400" dirty="0">
-                <a:latin typeface="Times New Roman" panose="02020603050405020304" pitchFamily="18" charset="0"/>
-                <a:cs typeface="Times New Roman" panose="02020603050405020304" pitchFamily="18" charset="0"/>
-              </a:rPr>
-              <a:t>Application</a:t>
-            </a:r>
-          </a:p>
-          <a:p>
-            <a:pPr marL="342900" indent="-342900">
-              <a:buFont typeface="Arial" panose="020B0604020202020204" pitchFamily="34" charset="0"/>
-              <a:buChar char="•"/>
-            </a:pPr>
-            <a:r>
-              <a:rPr lang="en-IN" sz="2400" dirty="0">
-                <a:latin typeface="Times New Roman" panose="02020603050405020304" pitchFamily="18" charset="0"/>
-                <a:cs typeface="Times New Roman" panose="02020603050405020304" pitchFamily="18" charset="0"/>
-              </a:rPr>
-              <a:t>Conclusion</a:t>
-            </a:r>
-          </a:p>
-          <a:p>
-            <a:pPr marL="342900" indent="-342900">
-              <a:buFont typeface="Arial" panose="020B0604020202020204" pitchFamily="34" charset="0"/>
-              <a:buChar char="•"/>
-            </a:pPr>
-            <a:r>
-              <a:rPr lang="en-US" altLang="en-IN" sz="2400" dirty="0">
-                <a:latin typeface="Times New Roman" panose="02020603050405020304" pitchFamily="18" charset="0"/>
-                <a:cs typeface="Times New Roman" panose="02020603050405020304" pitchFamily="18" charset="0"/>
-              </a:rPr>
-              <a:t>Progress</a:t>
-            </a:r>
-          </a:p>
-        </p:txBody>
-      </p:sp>
-      <p:pic>
-        <p:nvPicPr>
-          <p:cNvPr id="4" name="Google Shape;59;p13"/>
-          <p:cNvPicPr preferRelativeResize="0"/>
-          <p:nvPr/>
-        </p:nvPicPr>
-        <p:blipFill rotWithShape="1">
-          <a:blip r:embed="rId2"/>
-          <a:srcRect/>
-          <a:stretch>
-            <a:fillRect/>
-          </a:stretch>
-        </p:blipFill>
-        <p:spPr>
-          <a:xfrm>
-            <a:off x="11293156" y="146822"/>
-            <a:ext cx="770213" cy="584775"/>
-          </a:xfrm>
-          <a:prstGeom prst="rect">
-            <a:avLst/>
-          </a:prstGeom>
-          <a:noFill/>
-          <a:ln>
-            <a:noFill/>
-          </a:ln>
-        </p:spPr>
-      </p:pic>
-      <p:sp>
-        <p:nvSpPr>
-          <p:cNvPr id="5" name="Footer Placeholder 4"/>
-          <p:cNvSpPr>
-            <a:spLocks noGrp="1"/>
-          </p:cNvSpPr>
-          <p:nvPr>
-            <p:ph type="ftr" sz="quarter" idx="11"/>
-          </p:nvPr>
-        </p:nvSpPr>
-        <p:spPr/>
-        <p:txBody>
-          <a:bodyPr/>
-          <a:lstStyle/>
-          <a:p>
-            <a:r>
-              <a:rPr lang="en-US"/>
-              <a:t>Dept. of ECE, AJIET</a:t>
-            </a:r>
-            <a:endParaRPr lang="en-IN" dirty="0"/>
-          </a:p>
-        </p:txBody>
-      </p:sp>
-      <p:sp>
-        <p:nvSpPr>
-          <p:cNvPr id="6" name="Slide Number Placeholder 5"/>
-          <p:cNvSpPr>
-            <a:spLocks noGrp="1"/>
-          </p:cNvSpPr>
-          <p:nvPr>
-            <p:ph type="sldNum" sz="quarter" idx="12"/>
-          </p:nvPr>
-        </p:nvSpPr>
-        <p:spPr/>
-        <p:txBody>
-          <a:bodyPr/>
-          <a:lstStyle/>
-          <a:p>
-            <a:fld id="{6DD64AC5-D0B9-4021-91F6-F3C5686DA524}" type="slidenum">
-              <a:rPr lang="en-IN" smtClean="0"/>
-              <a:t>2</a:t>
-            </a:fld>
-            <a:endParaRPr lang="en-IN"/>
-          </a:p>
-        </p:txBody>
-      </p:sp>
-    </p:spTree>
-  </p:cSld>
-  <p:clrMapOvr>
-    <a:masterClrMapping/>
-  </p:clrMapOvr>
-</p:sld>
-</file>
-
-<file path=ppt/slides/slide20.xml><?xml version="1.0" encoding="utf-8"?>
-<p:sld xmlns:a="http://schemas.openxmlformats.org/drawingml/2006/main" xmlns:r="http://schemas.openxmlformats.org/officeDocument/2006/relationships" xmlns:p="http://schemas.openxmlformats.org/presentationml/2006/main">
-  <p:cSld>
-    <p:spTree>
-      <p:nvGrpSpPr>
-        <p:cNvPr id="1" name=""/>
-        <p:cNvGrpSpPr/>
-        <p:nvPr/>
-      </p:nvGrpSpPr>
-      <p:grpSpPr>
-        <a:xfrm>
-          <a:off x="0" y="0"/>
-          <a:ext cx="0" cy="0"/>
-          <a:chOff x="0" y="0"/>
-          <a:chExt cx="0" cy="0"/>
-        </a:xfrm>
-      </p:grpSpPr>
-      <p:sp>
-        <p:nvSpPr>
-          <p:cNvPr id="2" name="TextBox 1"/>
-          <p:cNvSpPr txBox="1"/>
-          <p:nvPr/>
-        </p:nvSpPr>
-        <p:spPr>
-          <a:xfrm>
-            <a:off x="3048000" y="209034"/>
-            <a:ext cx="6096000" cy="523220"/>
-          </a:xfrm>
-          <a:prstGeom prst="rect">
-            <a:avLst/>
-          </a:prstGeom>
-          <a:noFill/>
-        </p:spPr>
-        <p:txBody>
-          <a:bodyPr wrap="square">
-            <a:spAutoFit/>
-          </a:bodyPr>
-          <a:lstStyle/>
-          <a:p>
-            <a:pPr algn="ctr"/>
-            <a:r>
               <a:rPr lang="en-US" sz="2800" b="1" dirty="0">
                 <a:latin typeface="Times New Roman" panose="02020603050405020304" pitchFamily="18" charset="0"/>
                 <a:cs typeface="Times New Roman" panose="02020603050405020304" pitchFamily="18" charset="0"/>
               </a:rPr>
-              <a:t>RESULT</a:t>
+              <a:t>PROGRESS</a:t>
             </a:r>
             <a:endParaRPr lang="en-IN" sz="2800" b="1" dirty="0">
               <a:latin typeface="Times New Roman" panose="02020603050405020304" pitchFamily="18" charset="0"/>
@@ -7131,7 +6733,7 @@
           <a:p>
             <a:fld id="{6DD64AC5-D0B9-4021-91F6-F3C5686DA524}" type="slidenum">
               <a:rPr lang="en-IN" smtClean="0"/>
-              <a:t>20</a:t>
+              <a:t>19</a:t>
             </a:fld>
             <a:endParaRPr lang="en-IN"/>
           </a:p>
@@ -7308,6 +6910,440 @@
 </p:sld>
 </file>
 
+<file path=ppt/slides/slide2.xml><?xml version="1.0" encoding="utf-8"?>
+<p:sld xmlns:a="http://schemas.openxmlformats.org/drawingml/2006/main" xmlns:r="http://schemas.openxmlformats.org/officeDocument/2006/relationships" xmlns:p="http://schemas.openxmlformats.org/presentationml/2006/main">
+  <p:cSld>
+    <p:spTree>
+      <p:nvGrpSpPr>
+        <p:cNvPr id="1" name=""/>
+        <p:cNvGrpSpPr/>
+        <p:nvPr/>
+      </p:nvGrpSpPr>
+      <p:grpSpPr>
+        <a:xfrm>
+          <a:off x="0" y="0"/>
+          <a:ext cx="0" cy="0"/>
+          <a:chOff x="0" y="0"/>
+          <a:chExt cx="0" cy="0"/>
+        </a:xfrm>
+      </p:grpSpPr>
+      <p:sp>
+        <p:nvSpPr>
+          <p:cNvPr id="2" name="TextBox 1"/>
+          <p:cNvSpPr txBox="1"/>
+          <p:nvPr/>
+        </p:nvSpPr>
+        <p:spPr>
+          <a:xfrm>
+            <a:off x="4874351" y="368300"/>
+            <a:ext cx="2159566" cy="523220"/>
+          </a:xfrm>
+          <a:prstGeom prst="rect">
+            <a:avLst/>
+          </a:prstGeom>
+          <a:noFill/>
+        </p:spPr>
+        <p:txBody>
+          <a:bodyPr wrap="none" rtlCol="0">
+            <a:spAutoFit/>
+          </a:bodyPr>
+          <a:lstStyle/>
+          <a:p>
+            <a:r>
+              <a:rPr lang="en-IN" sz="2800" b="1" dirty="0">
+                <a:latin typeface="Times New Roman" panose="02020603050405020304" pitchFamily="18" charset="0"/>
+                <a:cs typeface="Times New Roman" panose="02020603050405020304" pitchFamily="18" charset="0"/>
+              </a:rPr>
+              <a:t>CONTENTS</a:t>
+            </a:r>
+          </a:p>
+        </p:txBody>
+      </p:sp>
+      <p:sp>
+        <p:nvSpPr>
+          <p:cNvPr id="3" name="TextBox 2"/>
+          <p:cNvSpPr txBox="1"/>
+          <p:nvPr/>
+        </p:nvSpPr>
+        <p:spPr>
+          <a:xfrm>
+            <a:off x="1270000" y="1193800"/>
+            <a:ext cx="2417650" cy="3046988"/>
+          </a:xfrm>
+          <a:prstGeom prst="rect">
+            <a:avLst/>
+          </a:prstGeom>
+          <a:noFill/>
+        </p:spPr>
+        <p:txBody>
+          <a:bodyPr wrap="none" rtlCol="0">
+            <a:spAutoFit/>
+          </a:bodyPr>
+          <a:lstStyle/>
+          <a:p>
+            <a:pPr marL="342900" indent="-342900">
+              <a:buFont typeface="Arial" panose="020B0604020202020204" pitchFamily="34" charset="0"/>
+              <a:buChar char="•"/>
+            </a:pPr>
+            <a:r>
+              <a:rPr lang="en-IN" sz="2400" dirty="0">
+                <a:latin typeface="Times New Roman" panose="02020603050405020304" pitchFamily="18" charset="0"/>
+                <a:cs typeface="Times New Roman" panose="02020603050405020304" pitchFamily="18" charset="0"/>
+              </a:rPr>
+              <a:t>Objective</a:t>
+            </a:r>
+          </a:p>
+          <a:p>
+            <a:pPr marL="342900" indent="-342900">
+              <a:buFont typeface="Arial" panose="020B0604020202020204" pitchFamily="34" charset="0"/>
+              <a:buChar char="•"/>
+            </a:pPr>
+            <a:r>
+              <a:rPr lang="en-IN" sz="2400" dirty="0">
+                <a:latin typeface="Times New Roman" panose="02020603050405020304" pitchFamily="18" charset="0"/>
+                <a:cs typeface="Times New Roman" panose="02020603050405020304" pitchFamily="18" charset="0"/>
+              </a:rPr>
+              <a:t>Introduction</a:t>
+            </a:r>
+          </a:p>
+          <a:p>
+            <a:pPr marL="342900" indent="-342900">
+              <a:buFont typeface="Arial" panose="020B0604020202020204" pitchFamily="34" charset="0"/>
+              <a:buChar char="•"/>
+            </a:pPr>
+            <a:r>
+              <a:rPr lang="en-IN" sz="2400" dirty="0">
+                <a:latin typeface="Times New Roman" panose="02020603050405020304" pitchFamily="18" charset="0"/>
+                <a:cs typeface="Times New Roman" panose="02020603050405020304" pitchFamily="18" charset="0"/>
+              </a:rPr>
+              <a:t>Block Diagram</a:t>
+            </a:r>
+          </a:p>
+          <a:p>
+            <a:pPr marL="342900" indent="-342900">
+              <a:buFont typeface="Arial" panose="020B0604020202020204" pitchFamily="34" charset="0"/>
+              <a:buChar char="•"/>
+            </a:pPr>
+            <a:r>
+              <a:rPr lang="en-IN" sz="2400" dirty="0">
+                <a:latin typeface="Times New Roman" panose="02020603050405020304" pitchFamily="18" charset="0"/>
+                <a:cs typeface="Times New Roman" panose="02020603050405020304" pitchFamily="18" charset="0"/>
+              </a:rPr>
+              <a:t>Methodology</a:t>
+            </a:r>
+          </a:p>
+          <a:p>
+            <a:pPr marL="342900" indent="-342900">
+              <a:buFont typeface="Arial" panose="020B0604020202020204" pitchFamily="34" charset="0"/>
+              <a:buChar char="•"/>
+            </a:pPr>
+            <a:r>
+              <a:rPr lang="en-IN" sz="2400" dirty="0">
+                <a:latin typeface="Times New Roman" panose="02020603050405020304" pitchFamily="18" charset="0"/>
+                <a:cs typeface="Times New Roman" panose="02020603050405020304" pitchFamily="18" charset="0"/>
+              </a:rPr>
+              <a:t>Result</a:t>
+            </a:r>
+          </a:p>
+          <a:p>
+            <a:pPr marL="342900" indent="-342900">
+              <a:buFont typeface="Arial" panose="020B0604020202020204" pitchFamily="34" charset="0"/>
+              <a:buChar char="•"/>
+            </a:pPr>
+            <a:r>
+              <a:rPr lang="en-IN" sz="2400" dirty="0">
+                <a:latin typeface="Times New Roman" panose="02020603050405020304" pitchFamily="18" charset="0"/>
+                <a:cs typeface="Times New Roman" panose="02020603050405020304" pitchFamily="18" charset="0"/>
+              </a:rPr>
+              <a:t>Application</a:t>
+            </a:r>
+          </a:p>
+          <a:p>
+            <a:pPr marL="342900" indent="-342900">
+              <a:buFont typeface="Arial" panose="020B0604020202020204" pitchFamily="34" charset="0"/>
+              <a:buChar char="•"/>
+            </a:pPr>
+            <a:r>
+              <a:rPr lang="en-IN" sz="2400" dirty="0">
+                <a:latin typeface="Times New Roman" panose="02020603050405020304" pitchFamily="18" charset="0"/>
+                <a:cs typeface="Times New Roman" panose="02020603050405020304" pitchFamily="18" charset="0"/>
+              </a:rPr>
+              <a:t>Conclusion</a:t>
+            </a:r>
+          </a:p>
+          <a:p>
+            <a:pPr marL="342900" indent="-342900">
+              <a:buFont typeface="Arial" panose="020B0604020202020204" pitchFamily="34" charset="0"/>
+              <a:buChar char="•"/>
+            </a:pPr>
+            <a:r>
+              <a:rPr lang="en-US" altLang="en-IN" sz="2400" dirty="0">
+                <a:latin typeface="Times New Roman" panose="02020603050405020304" pitchFamily="18" charset="0"/>
+                <a:cs typeface="Times New Roman" panose="02020603050405020304" pitchFamily="18" charset="0"/>
+              </a:rPr>
+              <a:t>Progress</a:t>
+            </a:r>
+          </a:p>
+        </p:txBody>
+      </p:sp>
+      <p:pic>
+        <p:nvPicPr>
+          <p:cNvPr id="4" name="Google Shape;59;p13"/>
+          <p:cNvPicPr preferRelativeResize="0"/>
+          <p:nvPr/>
+        </p:nvPicPr>
+        <p:blipFill rotWithShape="1">
+          <a:blip r:embed="rId2"/>
+          <a:srcRect/>
+          <a:stretch>
+            <a:fillRect/>
+          </a:stretch>
+        </p:blipFill>
+        <p:spPr>
+          <a:xfrm>
+            <a:off x="11293156" y="146822"/>
+            <a:ext cx="770213" cy="584775"/>
+          </a:xfrm>
+          <a:prstGeom prst="rect">
+            <a:avLst/>
+          </a:prstGeom>
+          <a:noFill/>
+          <a:ln>
+            <a:noFill/>
+          </a:ln>
+        </p:spPr>
+      </p:pic>
+      <p:sp>
+        <p:nvSpPr>
+          <p:cNvPr id="5" name="Footer Placeholder 4"/>
+          <p:cNvSpPr>
+            <a:spLocks noGrp="1"/>
+          </p:cNvSpPr>
+          <p:nvPr>
+            <p:ph type="ftr" sz="quarter" idx="11"/>
+          </p:nvPr>
+        </p:nvSpPr>
+        <p:spPr/>
+        <p:txBody>
+          <a:bodyPr/>
+          <a:lstStyle/>
+          <a:p>
+            <a:r>
+              <a:rPr lang="en-US"/>
+              <a:t>Dept. of ECE, AJIET</a:t>
+            </a:r>
+            <a:endParaRPr lang="en-IN" dirty="0"/>
+          </a:p>
+        </p:txBody>
+      </p:sp>
+      <p:sp>
+        <p:nvSpPr>
+          <p:cNvPr id="6" name="Slide Number Placeholder 5"/>
+          <p:cNvSpPr>
+            <a:spLocks noGrp="1"/>
+          </p:cNvSpPr>
+          <p:nvPr>
+            <p:ph type="sldNum" sz="quarter" idx="12"/>
+          </p:nvPr>
+        </p:nvSpPr>
+        <p:spPr/>
+        <p:txBody>
+          <a:bodyPr/>
+          <a:lstStyle/>
+          <a:p>
+            <a:fld id="{6DD64AC5-D0B9-4021-91F6-F3C5686DA524}" type="slidenum">
+              <a:rPr lang="en-IN" smtClean="0"/>
+              <a:t>2</a:t>
+            </a:fld>
+            <a:endParaRPr lang="en-IN"/>
+          </a:p>
+        </p:txBody>
+      </p:sp>
+    </p:spTree>
+  </p:cSld>
+  <p:clrMapOvr>
+    <a:masterClrMapping/>
+  </p:clrMapOvr>
+</p:sld>
+</file>
+
+<file path=ppt/slides/slide20.xml><?xml version="1.0" encoding="utf-8"?>
+<p:sld xmlns:a="http://schemas.openxmlformats.org/drawingml/2006/main" xmlns:r="http://schemas.openxmlformats.org/officeDocument/2006/relationships" xmlns:p="http://schemas.openxmlformats.org/presentationml/2006/main">
+  <p:cSld>
+    <p:spTree>
+      <p:nvGrpSpPr>
+        <p:cNvPr id="1" name=""/>
+        <p:cNvGrpSpPr/>
+        <p:nvPr/>
+      </p:nvGrpSpPr>
+      <p:grpSpPr>
+        <a:xfrm>
+          <a:off x="0" y="0"/>
+          <a:ext cx="0" cy="0"/>
+          <a:chOff x="0" y="0"/>
+          <a:chExt cx="0" cy="0"/>
+        </a:xfrm>
+      </p:grpSpPr>
+      <p:sp>
+        <p:nvSpPr>
+          <p:cNvPr id="2" name="Footer Placeholder 1"/>
+          <p:cNvSpPr>
+            <a:spLocks noGrp="1"/>
+          </p:cNvSpPr>
+          <p:nvPr>
+            <p:ph type="ftr" sz="quarter" idx="11"/>
+          </p:nvPr>
+        </p:nvSpPr>
+        <p:spPr/>
+        <p:txBody>
+          <a:bodyPr/>
+          <a:lstStyle/>
+          <a:p>
+            <a:r>
+              <a:rPr lang="en-US"/>
+              <a:t>Dept. of ECE, AJIET</a:t>
+            </a:r>
+            <a:endParaRPr lang="en-IN"/>
+          </a:p>
+        </p:txBody>
+      </p:sp>
+      <p:sp>
+        <p:nvSpPr>
+          <p:cNvPr id="3" name="Slide Number Placeholder 2"/>
+          <p:cNvSpPr>
+            <a:spLocks noGrp="1"/>
+          </p:cNvSpPr>
+          <p:nvPr>
+            <p:ph type="sldNum" sz="quarter" idx="12"/>
+          </p:nvPr>
+        </p:nvSpPr>
+        <p:spPr/>
+        <p:txBody>
+          <a:bodyPr/>
+          <a:lstStyle/>
+          <a:p>
+            <a:fld id="{6DD64AC5-D0B9-4021-91F6-F3C5686DA524}" type="slidenum">
+              <a:rPr lang="en-IN" smtClean="0"/>
+              <a:t>20</a:t>
+            </a:fld>
+            <a:endParaRPr lang="en-IN"/>
+          </a:p>
+        </p:txBody>
+      </p:sp>
+      <p:sp>
+        <p:nvSpPr>
+          <p:cNvPr id="4" name="Text Box 3"/>
+          <p:cNvSpPr txBox="1"/>
+          <p:nvPr/>
+        </p:nvSpPr>
+        <p:spPr>
+          <a:xfrm>
+            <a:off x="3146425" y="386715"/>
+            <a:ext cx="5731510" cy="523220"/>
+          </a:xfrm>
+          <a:prstGeom prst="rect">
+            <a:avLst/>
+          </a:prstGeom>
+          <a:noFill/>
+        </p:spPr>
+        <p:txBody>
+          <a:bodyPr wrap="square" rtlCol="0">
+            <a:spAutoFit/>
+          </a:bodyPr>
+          <a:lstStyle/>
+          <a:p>
+            <a:pPr algn="ctr"/>
+            <a:r>
+              <a:rPr lang="en-US" sz="2800" b="1" dirty="0">
+                <a:latin typeface="Times New Roman" panose="02020603050405020304" pitchFamily="18" charset="0"/>
+                <a:cs typeface="Times New Roman" panose="02020603050405020304" pitchFamily="18" charset="0"/>
+              </a:rPr>
+              <a:t>PROGRESS</a:t>
+            </a:r>
+          </a:p>
+        </p:txBody>
+      </p:sp>
+      <p:sp>
+        <p:nvSpPr>
+          <p:cNvPr id="5" name="Text Box 4"/>
+          <p:cNvSpPr txBox="1"/>
+          <p:nvPr/>
+        </p:nvSpPr>
+        <p:spPr>
+          <a:xfrm>
+            <a:off x="679450" y="1478915"/>
+            <a:ext cx="11062335" cy="2431435"/>
+          </a:xfrm>
+          <a:prstGeom prst="rect">
+            <a:avLst/>
+          </a:prstGeom>
+          <a:noFill/>
+        </p:spPr>
+        <p:txBody>
+          <a:bodyPr wrap="square" rtlCol="0">
+            <a:spAutoFit/>
+          </a:bodyPr>
+          <a:lstStyle/>
+          <a:p>
+            <a:pPr marL="285750" indent="-285750" algn="just">
+              <a:buFont typeface="Arial" panose="020B0604020202020204" pitchFamily="34" charset="0"/>
+              <a:buChar char="•"/>
+            </a:pPr>
+            <a:r>
+              <a:rPr lang="en-US" sz="2400" dirty="0">
+                <a:latin typeface="Times New Roman" panose="02020603050405020304" pitchFamily="18" charset="0"/>
+                <a:cs typeface="Times New Roman" panose="02020603050405020304" pitchFamily="18" charset="0"/>
+              </a:rPr>
+              <a:t>The operation characteristics of Ultra Sonic Sensor is replaced by Camera module to measure the distance between the user and the object. That defines within the video to move in a right direction</a:t>
+            </a:r>
+          </a:p>
+          <a:p>
+            <a:pPr marL="285750" indent="-285750" algn="just">
+              <a:buFont typeface="Arial" panose="020B0604020202020204" pitchFamily="34" charset="0"/>
+              <a:buChar char="•"/>
+            </a:pPr>
+            <a:endParaRPr lang="en-US" sz="2400" dirty="0">
+              <a:latin typeface="Times New Roman" panose="02020603050405020304" pitchFamily="18" charset="0"/>
+              <a:cs typeface="Times New Roman" panose="02020603050405020304" pitchFamily="18" charset="0"/>
+            </a:endParaRPr>
+          </a:p>
+          <a:p>
+            <a:pPr marL="285750" indent="-285750" algn="just">
+              <a:buFont typeface="Arial" panose="020B0604020202020204" pitchFamily="34" charset="0"/>
+              <a:buChar char="•"/>
+            </a:pPr>
+            <a:r>
+              <a:rPr lang="en-US" sz="2400" dirty="0">
+                <a:latin typeface="Times New Roman" panose="02020603050405020304" pitchFamily="18" charset="0"/>
+                <a:cs typeface="Times New Roman" panose="02020603050405020304" pitchFamily="18" charset="0"/>
+              </a:rPr>
+              <a:t>Used Optimized Algorithms such as SSD Algorithms and Mobile net CNN algorithm</a:t>
+            </a:r>
+          </a:p>
+          <a:p>
+            <a:pPr algn="just"/>
+            <a:endParaRPr lang="en-US" sz="1600" dirty="0">
+              <a:latin typeface="Times New Roman" panose="02020603050405020304" pitchFamily="18" charset="0"/>
+              <a:cs typeface="Times New Roman" panose="02020603050405020304" pitchFamily="18" charset="0"/>
+            </a:endParaRPr>
+          </a:p>
+          <a:p>
+            <a:pPr algn="just"/>
+            <a:endParaRPr lang="en-US" sz="1600" dirty="0">
+              <a:latin typeface="Times New Roman" panose="02020603050405020304" pitchFamily="18" charset="0"/>
+              <a:cs typeface="Times New Roman" panose="02020603050405020304" pitchFamily="18" charset="0"/>
+            </a:endParaRPr>
+          </a:p>
+        </p:txBody>
+      </p:sp>
+    </p:spTree>
+  </p:cSld>
+  <p:clrMapOvr>
+    <a:masterClrMapping/>
+  </p:clrMapOvr>
+</p:sld>
+</file>
+
 <file path=ppt/slides/slide21.xml><?xml version="1.0" encoding="utf-8"?>
 <p:sld xmlns:a="http://schemas.openxmlformats.org/drawingml/2006/main" xmlns:r="http://schemas.openxmlformats.org/officeDocument/2006/relationships" xmlns:p="http://schemas.openxmlformats.org/presentationml/2006/main">
   <p:cSld>
@@ -7708,183 +7744,6 @@
       </p:grpSpPr>
       <p:sp>
         <p:nvSpPr>
-          <p:cNvPr id="2" name="Footer Placeholder 1"/>
-          <p:cNvSpPr>
-            <a:spLocks noGrp="1"/>
-          </p:cNvSpPr>
-          <p:nvPr>
-            <p:ph type="ftr" sz="quarter" idx="11"/>
-          </p:nvPr>
-        </p:nvSpPr>
-        <p:spPr/>
-        <p:txBody>
-          <a:bodyPr/>
-          <a:lstStyle/>
-          <a:p>
-            <a:r>
-              <a:rPr lang="en-US"/>
-              <a:t>Dept. of ECE, AJIET</a:t>
-            </a:r>
-            <a:endParaRPr lang="en-IN"/>
-          </a:p>
-        </p:txBody>
-      </p:sp>
-      <p:sp>
-        <p:nvSpPr>
-          <p:cNvPr id="3" name="Slide Number Placeholder 2"/>
-          <p:cNvSpPr>
-            <a:spLocks noGrp="1"/>
-          </p:cNvSpPr>
-          <p:nvPr>
-            <p:ph type="sldNum" sz="quarter" idx="12"/>
-          </p:nvPr>
-        </p:nvSpPr>
-        <p:spPr/>
-        <p:txBody>
-          <a:bodyPr/>
-          <a:lstStyle/>
-          <a:p>
-            <a:fld id="{6DD64AC5-D0B9-4021-91F6-F3C5686DA524}" type="slidenum">
-              <a:rPr lang="en-IN" smtClean="0"/>
-              <a:t>23</a:t>
-            </a:fld>
-            <a:endParaRPr lang="en-IN"/>
-          </a:p>
-        </p:txBody>
-      </p:sp>
-      <p:sp>
-        <p:nvSpPr>
-          <p:cNvPr id="4" name="Text Box 3"/>
-          <p:cNvSpPr txBox="1"/>
-          <p:nvPr/>
-        </p:nvSpPr>
-        <p:spPr>
-          <a:xfrm>
-            <a:off x="3146425" y="386715"/>
-            <a:ext cx="5731510" cy="523220"/>
-          </a:xfrm>
-          <a:prstGeom prst="rect">
-            <a:avLst/>
-          </a:prstGeom>
-          <a:noFill/>
-        </p:spPr>
-        <p:txBody>
-          <a:bodyPr wrap="square" rtlCol="0">
-            <a:spAutoFit/>
-          </a:bodyPr>
-          <a:lstStyle/>
-          <a:p>
-            <a:pPr algn="ctr"/>
-            <a:r>
-              <a:rPr lang="en-US" sz="2800" b="1" dirty="0">
-                <a:latin typeface="Times New Roman" panose="02020603050405020304" pitchFamily="18" charset="0"/>
-                <a:cs typeface="Times New Roman" panose="02020603050405020304" pitchFamily="18" charset="0"/>
-              </a:rPr>
-              <a:t>PROGRESS</a:t>
-            </a:r>
-          </a:p>
-        </p:txBody>
-      </p:sp>
-      <p:sp>
-        <p:nvSpPr>
-          <p:cNvPr id="5" name="Text Box 4"/>
-          <p:cNvSpPr txBox="1"/>
-          <p:nvPr/>
-        </p:nvSpPr>
-        <p:spPr>
-          <a:xfrm>
-            <a:off x="679450" y="1478915"/>
-            <a:ext cx="11062335" cy="2431435"/>
-          </a:xfrm>
-          <a:prstGeom prst="rect">
-            <a:avLst/>
-          </a:prstGeom>
-          <a:noFill/>
-        </p:spPr>
-        <p:txBody>
-          <a:bodyPr wrap="square" rtlCol="0">
-            <a:spAutoFit/>
-          </a:bodyPr>
-          <a:lstStyle/>
-          <a:p>
-            <a:pPr marL="285750" indent="-285750" algn="just">
-              <a:buFont typeface="Arial" panose="020B0604020202020204" pitchFamily="34" charset="0"/>
-              <a:buChar char="•"/>
-            </a:pPr>
-            <a:r>
-              <a:rPr lang="en-US" sz="2400" dirty="0">
-                <a:latin typeface="Times New Roman" panose="02020603050405020304" pitchFamily="18" charset="0"/>
-                <a:cs typeface="Times New Roman" panose="02020603050405020304" pitchFamily="18" charset="0"/>
-              </a:rPr>
-              <a:t>The operation characteristics of Ultra Sonic Sensor is replaced by Camera module to measure the distance between the user and the object. That defines within the video to move in a right direction</a:t>
-            </a:r>
-          </a:p>
-          <a:p>
-            <a:pPr marL="285750" indent="-285750" algn="just">
-              <a:buFont typeface="Arial" panose="020B0604020202020204" pitchFamily="34" charset="0"/>
-              <a:buChar char="•"/>
-            </a:pPr>
-            <a:endParaRPr lang="en-US" sz="2400" dirty="0">
-              <a:latin typeface="Times New Roman" panose="02020603050405020304" pitchFamily="18" charset="0"/>
-              <a:cs typeface="Times New Roman" panose="02020603050405020304" pitchFamily="18" charset="0"/>
-            </a:endParaRPr>
-          </a:p>
-          <a:p>
-            <a:pPr marL="285750" indent="-285750" algn="just">
-              <a:buFont typeface="Arial" panose="020B0604020202020204" pitchFamily="34" charset="0"/>
-              <a:buChar char="•"/>
-            </a:pPr>
-            <a:r>
-              <a:rPr lang="en-US" sz="2400" dirty="0">
-                <a:latin typeface="Times New Roman" panose="02020603050405020304" pitchFamily="18" charset="0"/>
-                <a:cs typeface="Times New Roman" panose="02020603050405020304" pitchFamily="18" charset="0"/>
-              </a:rPr>
-              <a:t>Used Optimized Algorithms such as SSD Algorithms and Mobile net CNN algorithm</a:t>
-            </a:r>
-          </a:p>
-          <a:p>
-            <a:pPr algn="just"/>
-            <a:endParaRPr lang="en-US" sz="1600" dirty="0">
-              <a:latin typeface="Times New Roman" panose="02020603050405020304" pitchFamily="18" charset="0"/>
-              <a:cs typeface="Times New Roman" panose="02020603050405020304" pitchFamily="18" charset="0"/>
-            </a:endParaRPr>
-          </a:p>
-          <a:p>
-            <a:pPr algn="just"/>
-            <a:endParaRPr lang="en-US" sz="1600" dirty="0">
-              <a:latin typeface="Times New Roman" panose="02020603050405020304" pitchFamily="18" charset="0"/>
-              <a:cs typeface="Times New Roman" panose="02020603050405020304" pitchFamily="18" charset="0"/>
-            </a:endParaRPr>
-          </a:p>
-        </p:txBody>
-      </p:sp>
-    </p:spTree>
-  </p:cSld>
-  <p:clrMapOvr>
-    <a:masterClrMapping/>
-  </p:clrMapOvr>
-</p:sld>
-</file>
-
-<file path=ppt/slides/slide24.xml><?xml version="1.0" encoding="utf-8"?>
-<p:sld xmlns:a="http://schemas.openxmlformats.org/drawingml/2006/main" xmlns:r="http://schemas.openxmlformats.org/officeDocument/2006/relationships" xmlns:p="http://schemas.openxmlformats.org/presentationml/2006/main">
-  <p:cSld>
-    <p:spTree>
-      <p:nvGrpSpPr>
-        <p:cNvPr id="1" name=""/>
-        <p:cNvGrpSpPr/>
-        <p:nvPr/>
-      </p:nvGrpSpPr>
-      <p:grpSpPr>
-        <a:xfrm>
-          <a:off x="0" y="0"/>
-          <a:ext cx="0" cy="0"/>
-          <a:chOff x="0" y="0"/>
-          <a:chExt cx="0" cy="0"/>
-        </a:xfrm>
-      </p:grpSpPr>
-      <p:sp>
-        <p:nvSpPr>
           <p:cNvPr id="2" name="TextBox 1"/>
           <p:cNvSpPr txBox="1"/>
           <p:nvPr/>
@@ -7983,7 +7842,7 @@
           <a:p>
             <a:fld id="{6DD64AC5-D0B9-4021-91F6-F3C5686DA524}" type="slidenum">
               <a:rPr lang="en-IN" smtClean="0"/>
-              <a:t>24</a:t>
+              <a:t>23</a:t>
             </a:fld>
             <a:endParaRPr lang="en-IN"/>
           </a:p>
@@ -8016,39 +7875,6 @@
       </p:grpSpPr>
       <p:sp>
         <p:nvSpPr>
-          <p:cNvPr id="3" name="TextBox 2"/>
-          <p:cNvSpPr txBox="1"/>
-          <p:nvPr/>
-        </p:nvSpPr>
-        <p:spPr>
-          <a:xfrm>
-            <a:off x="3048000" y="386834"/>
-            <a:ext cx="6096000" cy="523220"/>
-          </a:xfrm>
-          <a:prstGeom prst="rect">
-            <a:avLst/>
-          </a:prstGeom>
-          <a:noFill/>
-        </p:spPr>
-        <p:txBody>
-          <a:bodyPr wrap="square">
-            <a:spAutoFit/>
-          </a:bodyPr>
-          <a:lstStyle/>
-          <a:p>
-            <a:pPr algn="ctr"/>
-            <a:r>
-              <a:rPr lang="en-IN" sz="2800" b="1" dirty="0">
-                <a:latin typeface="Times New Roman" panose="02020603050405020304" pitchFamily="18" charset="0"/>
-                <a:cs typeface="Times New Roman" panose="02020603050405020304" pitchFamily="18" charset="0"/>
-              </a:rPr>
-              <a:t>OBJECTIVE</a:t>
-            </a:r>
-          </a:p>
-        </p:txBody>
-      </p:sp>
-      <p:sp>
-        <p:nvSpPr>
           <p:cNvPr id="4" name="TextBox 3"/>
           <p:cNvSpPr txBox="1"/>
           <p:nvPr/>
@@ -8263,6 +8089,44 @@
               <a:t>3</a:t>
             </a:fld>
             <a:endParaRPr lang="en-IN"/>
+          </a:p>
+        </p:txBody>
+      </p:sp>
+      <p:sp>
+        <p:nvSpPr>
+          <p:cNvPr id="7" name="TextBox 6">
+            <a:extLst>
+              <a:ext uri="{FF2B5EF4-FFF2-40B4-BE49-F238E27FC236}">
+                <a16:creationId xmlns:a16="http://schemas.microsoft.com/office/drawing/2014/main" id="{8725D64E-F213-F751-D3E4-70B9FF64B881}"/>
+              </a:ext>
+            </a:extLst>
+          </p:cNvPr>
+          <p:cNvSpPr txBox="1"/>
+          <p:nvPr/>
+        </p:nvSpPr>
+        <p:spPr>
+          <a:xfrm>
+            <a:off x="4874351" y="368300"/>
+            <a:ext cx="2257349" cy="523220"/>
+          </a:xfrm>
+          <a:prstGeom prst="rect">
+            <a:avLst/>
+          </a:prstGeom>
+          <a:noFill/>
+        </p:spPr>
+        <p:txBody>
+          <a:bodyPr wrap="none" rtlCol="0">
+            <a:spAutoFit/>
+          </a:bodyPr>
+          <a:lstStyle/>
+          <a:p>
+            <a:r>
+              <a:rPr lang="en-IN" sz="2800" b="1" dirty="0">
+                <a:latin typeface="Times New Roman" panose="02020603050405020304" pitchFamily="18" charset="0"/>
+                <a:cs typeface="Times New Roman" panose="02020603050405020304" pitchFamily="18" charset="0"/>
+              </a:rPr>
+              <a:t>OBJECTIVE</a:t>
+            </a:r>
           </a:p>
         </p:txBody>
       </p:sp>
@@ -8293,39 +8157,6 @@
       </p:grpSpPr>
       <p:sp>
         <p:nvSpPr>
-          <p:cNvPr id="5" name="TextBox 4"/>
-          <p:cNvSpPr txBox="1"/>
-          <p:nvPr/>
-        </p:nvSpPr>
-        <p:spPr>
-          <a:xfrm>
-            <a:off x="3048000" y="386834"/>
-            <a:ext cx="6096000" cy="523220"/>
-          </a:xfrm>
-          <a:prstGeom prst="rect">
-            <a:avLst/>
-          </a:prstGeom>
-          <a:noFill/>
-        </p:spPr>
-        <p:txBody>
-          <a:bodyPr wrap="square">
-            <a:spAutoFit/>
-          </a:bodyPr>
-          <a:lstStyle/>
-          <a:p>
-            <a:pPr algn="ctr"/>
-            <a:r>
-              <a:rPr lang="en-IN" sz="2800" b="1" dirty="0">
-                <a:latin typeface="Times New Roman" panose="02020603050405020304" pitchFamily="18" charset="0"/>
-                <a:cs typeface="Times New Roman" panose="02020603050405020304" pitchFamily="18" charset="0"/>
-              </a:rPr>
-              <a:t>INTRODUCTION</a:t>
-            </a:r>
-          </a:p>
-        </p:txBody>
-      </p:sp>
-      <p:sp>
-        <p:nvSpPr>
           <p:cNvPr id="6" name="TextBox 5"/>
           <p:cNvSpPr txBox="1"/>
           <p:nvPr/>
@@ -8494,6 +8325,44 @@
               <a:t>4</a:t>
             </a:fld>
             <a:endParaRPr lang="en-IN"/>
+          </a:p>
+        </p:txBody>
+      </p:sp>
+      <p:sp>
+        <p:nvSpPr>
+          <p:cNvPr id="8" name="TextBox 7">
+            <a:extLst>
+              <a:ext uri="{FF2B5EF4-FFF2-40B4-BE49-F238E27FC236}">
+                <a16:creationId xmlns:a16="http://schemas.microsoft.com/office/drawing/2014/main" id="{1F4AB138-1FF2-E17B-3CB1-B3429C484517}"/>
+              </a:ext>
+            </a:extLst>
+          </p:cNvPr>
+          <p:cNvSpPr txBox="1"/>
+          <p:nvPr/>
+        </p:nvSpPr>
+        <p:spPr>
+          <a:xfrm>
+            <a:off x="4567376" y="368139"/>
+            <a:ext cx="3057247" cy="523220"/>
+          </a:xfrm>
+          <a:prstGeom prst="rect">
+            <a:avLst/>
+          </a:prstGeom>
+          <a:noFill/>
+        </p:spPr>
+        <p:txBody>
+          <a:bodyPr wrap="none" rtlCol="0">
+            <a:spAutoFit/>
+          </a:bodyPr>
+          <a:lstStyle/>
+          <a:p>
+            <a:r>
+              <a:rPr lang="en-IN" sz="2800" b="1" dirty="0">
+                <a:latin typeface="Times New Roman" panose="02020603050405020304" pitchFamily="18" charset="0"/>
+                <a:cs typeface="Times New Roman" panose="02020603050405020304" pitchFamily="18" charset="0"/>
+              </a:rPr>
+              <a:t>INTRODUCTION</a:t>
+            </a:r>
           </a:p>
         </p:txBody>
       </p:sp>
@@ -8576,8 +8445,8 @@
         </p:nvSpPr>
         <p:spPr>
           <a:xfrm>
-            <a:off x="3072130" y="335280"/>
-            <a:ext cx="6047105" cy="461665"/>
+            <a:off x="3072446" y="217521"/>
+            <a:ext cx="6047105" cy="523220"/>
           </a:xfrm>
           <a:prstGeom prst="rect">
             <a:avLst/>
@@ -8592,7 +8461,7 @@
           <a:p>
             <a:pPr algn="ctr"/>
             <a:r>
-              <a:rPr lang="en-US" sz="2400" b="1" dirty="0">
+              <a:rPr lang="en-US" sz="2800" b="1" dirty="0">
                 <a:latin typeface="Times New Roman" panose="02020603050405020304" pitchFamily="18" charset="0"/>
                 <a:cs typeface="Times New Roman" panose="02020603050405020304" pitchFamily="18" charset="0"/>
               </a:rPr>
@@ -8601,880 +8470,6 @@
           </a:p>
         </p:txBody>
       </p:sp>
-      <p:grpSp>
-        <p:nvGrpSpPr>
-          <p:cNvPr id="11" name="Group 10">
-            <a:extLst>
-              <a:ext uri="{FF2B5EF4-FFF2-40B4-BE49-F238E27FC236}">
-                <a16:creationId xmlns:a16="http://schemas.microsoft.com/office/drawing/2014/main" id="{BD86EB63-CF1D-D4B6-0B5C-3CBDC8F3F463}"/>
-              </a:ext>
-            </a:extLst>
-          </p:cNvPr>
-          <p:cNvGrpSpPr/>
-          <p:nvPr/>
-        </p:nvGrpSpPr>
-        <p:grpSpPr>
-          <a:xfrm>
-            <a:off x="2756852" y="1069948"/>
-            <a:ext cx="6731000" cy="4965979"/>
-            <a:chOff x="2874682" y="976351"/>
-            <a:chExt cx="6731000" cy="4965979"/>
-          </a:xfrm>
-        </p:grpSpPr>
-        <p:sp>
-          <p:nvSpPr>
-            <p:cNvPr id="19" name="Rectangles 18"/>
-            <p:cNvSpPr/>
-            <p:nvPr/>
-          </p:nvSpPr>
-          <p:spPr>
-            <a:xfrm>
-              <a:off x="3004222" y="1332865"/>
-              <a:ext cx="2529840" cy="4609465"/>
-            </a:xfrm>
-            <a:prstGeom prst="rect">
-              <a:avLst/>
-            </a:prstGeom>
-            <a:ln>
-              <a:solidFill>
-                <a:schemeClr val="tx1"/>
-              </a:solidFill>
-              <a:prstDash val="sysDot"/>
-            </a:ln>
-          </p:spPr>
-          <p:style>
-            <a:lnRef idx="2">
-              <a:schemeClr val="accent6"/>
-            </a:lnRef>
-            <a:fillRef idx="1">
-              <a:schemeClr val="lt1"/>
-            </a:fillRef>
-            <a:effectRef idx="0">
-              <a:schemeClr val="accent6"/>
-            </a:effectRef>
-            <a:fontRef idx="minor">
-              <a:schemeClr val="dk1"/>
-            </a:fontRef>
-          </p:style>
-          <p:txBody>
-            <a:bodyPr rtlCol="0" anchor="ctr"/>
-            <a:lstStyle/>
-            <a:p>
-              <a:pPr algn="ctr"/>
-              <a:endParaRPr lang="en-US"/>
-            </a:p>
-          </p:txBody>
-        </p:sp>
-        <p:sp>
-          <p:nvSpPr>
-            <p:cNvPr id="16" name="Rectangles 15"/>
-            <p:cNvSpPr/>
-            <p:nvPr/>
-          </p:nvSpPr>
-          <p:spPr>
-            <a:xfrm>
-              <a:off x="6953287" y="1332865"/>
-              <a:ext cx="2652395" cy="4609465"/>
-            </a:xfrm>
-            <a:prstGeom prst="rect">
-              <a:avLst/>
-            </a:prstGeom>
-            <a:ln>
-              <a:solidFill>
-                <a:schemeClr val="tx1"/>
-              </a:solidFill>
-              <a:prstDash val="sysDot"/>
-            </a:ln>
-          </p:spPr>
-          <p:style>
-            <a:lnRef idx="2">
-              <a:schemeClr val="accent6"/>
-            </a:lnRef>
-            <a:fillRef idx="1">
-              <a:schemeClr val="lt1"/>
-            </a:fillRef>
-            <a:effectRef idx="0">
-              <a:schemeClr val="accent6"/>
-            </a:effectRef>
-            <a:fontRef idx="minor">
-              <a:schemeClr val="dk1"/>
-            </a:fontRef>
-          </p:style>
-          <p:txBody>
-            <a:bodyPr rtlCol="0" anchor="ctr"/>
-            <a:lstStyle/>
-            <a:p>
-              <a:pPr algn="ctr"/>
-              <a:endParaRPr lang="en-US"/>
-            </a:p>
-          </p:txBody>
-        </p:sp>
-        <p:sp>
-          <p:nvSpPr>
-            <p:cNvPr id="5" name="Rectangles 4"/>
-            <p:cNvSpPr/>
-            <p:nvPr/>
-          </p:nvSpPr>
-          <p:spPr>
-            <a:xfrm>
-              <a:off x="3571912" y="2315845"/>
-              <a:ext cx="1325245" cy="464820"/>
-            </a:xfrm>
-            <a:prstGeom prst="rect">
-              <a:avLst/>
-            </a:prstGeom>
-            <a:ln>
-              <a:solidFill>
-                <a:schemeClr val="tx1"/>
-              </a:solidFill>
-            </a:ln>
-          </p:spPr>
-          <p:style>
-            <a:lnRef idx="2">
-              <a:schemeClr val="accent6"/>
-            </a:lnRef>
-            <a:fillRef idx="1">
-              <a:schemeClr val="lt1"/>
-            </a:fillRef>
-            <a:effectRef idx="0">
-              <a:schemeClr val="accent6"/>
-            </a:effectRef>
-            <a:fontRef idx="minor">
-              <a:schemeClr val="dk1"/>
-            </a:fontRef>
-          </p:style>
-          <p:txBody>
-            <a:bodyPr rtlCol="0" anchor="ctr"/>
-            <a:lstStyle/>
-            <a:p>
-              <a:pPr algn="ctr"/>
-              <a:r>
-                <a:rPr lang="en-US" sz="1200">
-                  <a:latin typeface="Times New Roman" panose="02020603050405020304" pitchFamily="18" charset="0"/>
-                  <a:cs typeface="Times New Roman" panose="02020603050405020304" pitchFamily="18" charset="0"/>
-                </a:rPr>
-                <a:t>Input from the camera</a:t>
-              </a:r>
-            </a:p>
-          </p:txBody>
-        </p:sp>
-        <p:sp>
-          <p:nvSpPr>
-            <p:cNvPr id="6" name="Rectangles 5"/>
-            <p:cNvSpPr/>
-            <p:nvPr/>
-          </p:nvSpPr>
-          <p:spPr>
-            <a:xfrm>
-              <a:off x="3624617" y="5083492"/>
-              <a:ext cx="1272540" cy="536575"/>
-            </a:xfrm>
-            <a:prstGeom prst="rect">
-              <a:avLst/>
-            </a:prstGeom>
-            <a:ln>
-              <a:solidFill>
-                <a:schemeClr val="tx1"/>
-              </a:solidFill>
-            </a:ln>
-          </p:spPr>
-          <p:style>
-            <a:lnRef idx="2">
-              <a:schemeClr val="accent6"/>
-            </a:lnRef>
-            <a:fillRef idx="1">
-              <a:schemeClr val="lt1"/>
-            </a:fillRef>
-            <a:effectRef idx="0">
-              <a:schemeClr val="accent6"/>
-            </a:effectRef>
-            <a:fontRef idx="minor">
-              <a:schemeClr val="dk1"/>
-            </a:fontRef>
-          </p:style>
-          <p:txBody>
-            <a:bodyPr rtlCol="0" anchor="ctr"/>
-            <a:lstStyle/>
-            <a:p>
-              <a:pPr algn="ctr"/>
-              <a:r>
-                <a:rPr lang="en-US" sz="1200" dirty="0">
-                  <a:latin typeface="Times New Roman" panose="02020603050405020304" pitchFamily="18" charset="0"/>
-                  <a:cs typeface="Times New Roman" panose="02020603050405020304" pitchFamily="18" charset="0"/>
-                </a:rPr>
-                <a:t>Output Audio</a:t>
-              </a:r>
-            </a:p>
-          </p:txBody>
-        </p:sp>
-        <p:sp>
-          <p:nvSpPr>
-            <p:cNvPr id="7" name="Rectangles 6"/>
-            <p:cNvSpPr/>
-            <p:nvPr/>
-          </p:nvSpPr>
-          <p:spPr>
-            <a:xfrm>
-              <a:off x="7362862" y="1332865"/>
-              <a:ext cx="1785620" cy="244475"/>
-            </a:xfrm>
-            <a:prstGeom prst="rect">
-              <a:avLst/>
-            </a:prstGeom>
-            <a:ln w="19050">
-              <a:solidFill>
-                <a:schemeClr val="tx1"/>
-              </a:solidFill>
-            </a:ln>
-          </p:spPr>
-          <p:style>
-            <a:lnRef idx="2">
-              <a:schemeClr val="accent6"/>
-            </a:lnRef>
-            <a:fillRef idx="1">
-              <a:schemeClr val="lt1"/>
-            </a:fillRef>
-            <a:effectRef idx="0">
-              <a:schemeClr val="accent6"/>
-            </a:effectRef>
-            <a:fontRef idx="minor">
-              <a:schemeClr val="dk1"/>
-            </a:fontRef>
-          </p:style>
-          <p:txBody>
-            <a:bodyPr rtlCol="0" anchor="ctr"/>
-            <a:lstStyle/>
-            <a:p>
-              <a:pPr algn="ctr"/>
-              <a:r>
-                <a:rPr lang="en-US" sz="1400">
-                  <a:latin typeface="Times New Roman" panose="02020603050405020304" pitchFamily="18" charset="0"/>
-                  <a:cs typeface="Times New Roman" panose="02020603050405020304" pitchFamily="18" charset="0"/>
-                </a:rPr>
-                <a:t>Raspberry pi</a:t>
-              </a:r>
-            </a:p>
-          </p:txBody>
-        </p:sp>
-        <p:sp>
-          <p:nvSpPr>
-            <p:cNvPr id="8" name="Rectangles 7"/>
-            <p:cNvSpPr/>
-            <p:nvPr/>
-          </p:nvSpPr>
-          <p:spPr>
-            <a:xfrm>
-              <a:off x="7588287" y="1602105"/>
-              <a:ext cx="1334770" cy="465455"/>
-            </a:xfrm>
-            <a:prstGeom prst="rect">
-              <a:avLst/>
-            </a:prstGeom>
-            <a:ln>
-              <a:solidFill>
-                <a:schemeClr val="tx1"/>
-              </a:solidFill>
-            </a:ln>
-          </p:spPr>
-          <p:style>
-            <a:lnRef idx="2">
-              <a:schemeClr val="accent6"/>
-            </a:lnRef>
-            <a:fillRef idx="1">
-              <a:schemeClr val="lt1"/>
-            </a:fillRef>
-            <a:effectRef idx="0">
-              <a:schemeClr val="accent6"/>
-            </a:effectRef>
-            <a:fontRef idx="minor">
-              <a:schemeClr val="dk1"/>
-            </a:fontRef>
-          </p:style>
-          <p:txBody>
-            <a:bodyPr rtlCol="0" anchor="ctr"/>
-            <a:lstStyle/>
-            <a:p>
-              <a:pPr algn="ctr"/>
-              <a:r>
-                <a:rPr lang="en-US" sz="1200" dirty="0">
-                  <a:latin typeface="Times New Roman" panose="02020603050405020304" pitchFamily="18" charset="0"/>
-                  <a:cs typeface="Times New Roman" panose="02020603050405020304" pitchFamily="18" charset="0"/>
-                </a:rPr>
-                <a:t>Keep the images you have captured</a:t>
-              </a:r>
-            </a:p>
-          </p:txBody>
-        </p:sp>
-        <p:sp>
-          <p:nvSpPr>
-            <p:cNvPr id="9" name="Rectangles 8"/>
-            <p:cNvSpPr/>
-            <p:nvPr/>
-          </p:nvSpPr>
-          <p:spPr>
-            <a:xfrm>
-              <a:off x="7648612" y="2367280"/>
-              <a:ext cx="1263015" cy="492760"/>
-            </a:xfrm>
-            <a:prstGeom prst="rect">
-              <a:avLst/>
-            </a:prstGeom>
-            <a:ln>
-              <a:solidFill>
-                <a:schemeClr val="tx1"/>
-              </a:solidFill>
-            </a:ln>
-          </p:spPr>
-          <p:style>
-            <a:lnRef idx="2">
-              <a:schemeClr val="accent6"/>
-            </a:lnRef>
-            <a:fillRef idx="1">
-              <a:schemeClr val="lt1"/>
-            </a:fillRef>
-            <a:effectRef idx="0">
-              <a:schemeClr val="accent6"/>
-            </a:effectRef>
-            <a:fontRef idx="minor">
-              <a:schemeClr val="dk1"/>
-            </a:fontRef>
-          </p:style>
-          <p:txBody>
-            <a:bodyPr rtlCol="0" anchor="ctr"/>
-            <a:lstStyle/>
-            <a:p>
-              <a:pPr algn="ctr"/>
-              <a:r>
-                <a:rPr lang="en-US" sz="1200">
-                  <a:latin typeface="Times New Roman" panose="02020603050405020304" pitchFamily="18" charset="0"/>
-                  <a:cs typeface="Times New Roman" panose="02020603050405020304" pitchFamily="18" charset="0"/>
-                </a:rPr>
-                <a:t>The images pre-processing</a:t>
-              </a:r>
-            </a:p>
-          </p:txBody>
-        </p:sp>
-        <p:sp>
-          <p:nvSpPr>
-            <p:cNvPr id="10" name="Rectangles 9"/>
-            <p:cNvSpPr/>
-            <p:nvPr/>
-          </p:nvSpPr>
-          <p:spPr>
-            <a:xfrm>
-              <a:off x="7505102" y="3159760"/>
-              <a:ext cx="1517015" cy="461010"/>
-            </a:xfrm>
-            <a:prstGeom prst="rect">
-              <a:avLst/>
-            </a:prstGeom>
-            <a:ln>
-              <a:solidFill>
-                <a:schemeClr val="tx1"/>
-              </a:solidFill>
-            </a:ln>
-          </p:spPr>
-          <p:style>
-            <a:lnRef idx="2">
-              <a:schemeClr val="accent6"/>
-            </a:lnRef>
-            <a:fillRef idx="1">
-              <a:schemeClr val="lt1"/>
-            </a:fillRef>
-            <a:effectRef idx="0">
-              <a:schemeClr val="accent6"/>
-            </a:effectRef>
-            <a:fontRef idx="minor">
-              <a:schemeClr val="dk1"/>
-            </a:fontRef>
-          </p:style>
-          <p:txBody>
-            <a:bodyPr rtlCol="0" anchor="ctr"/>
-            <a:lstStyle/>
-            <a:p>
-              <a:pPr algn="ctr"/>
-              <a:r>
-                <a:rPr lang="en-US" sz="1200">
-                  <a:latin typeface="Times New Roman" panose="02020603050405020304" pitchFamily="18" charset="0"/>
-                  <a:cs typeface="Times New Roman" panose="02020603050405020304" pitchFamily="18" charset="0"/>
-                </a:rPr>
-                <a:t>Recognize the object in thr captured image</a:t>
-              </a:r>
-            </a:p>
-          </p:txBody>
-        </p:sp>
-        <p:sp>
-          <p:nvSpPr>
-            <p:cNvPr id="12" name="Rectangles 11"/>
-            <p:cNvSpPr/>
-            <p:nvPr/>
-          </p:nvSpPr>
-          <p:spPr>
-            <a:xfrm>
-              <a:off x="7537487" y="4966970"/>
-              <a:ext cx="1484630" cy="730885"/>
-            </a:xfrm>
-            <a:prstGeom prst="rect">
-              <a:avLst/>
-            </a:prstGeom>
-            <a:ln>
-              <a:solidFill>
-                <a:schemeClr val="tx1"/>
-              </a:solidFill>
-            </a:ln>
-          </p:spPr>
-          <p:style>
-            <a:lnRef idx="2">
-              <a:schemeClr val="accent6"/>
-            </a:lnRef>
-            <a:fillRef idx="1">
-              <a:schemeClr val="lt1"/>
-            </a:fillRef>
-            <a:effectRef idx="0">
-              <a:schemeClr val="accent6"/>
-            </a:effectRef>
-            <a:fontRef idx="minor">
-              <a:schemeClr val="dk1"/>
-            </a:fontRef>
-          </p:style>
-          <p:txBody>
-            <a:bodyPr rtlCol="0" anchor="ctr"/>
-            <a:lstStyle/>
-            <a:p>
-              <a:pPr algn="ctr"/>
-              <a:r>
-                <a:rPr lang="en-US" sz="1200">
-                  <a:latin typeface="Times New Roman" panose="02020603050405020304" pitchFamily="18" charset="0"/>
-                  <a:cs typeface="Times New Roman" panose="02020603050405020304" pitchFamily="18" charset="0"/>
-                </a:rPr>
-                <a:t>Create an audio signal for the object that has been identified</a:t>
-              </a:r>
-            </a:p>
-          </p:txBody>
-        </p:sp>
-        <p:sp>
-          <p:nvSpPr>
-            <p:cNvPr id="13" name="Rectangles 12"/>
-            <p:cNvSpPr/>
-            <p:nvPr/>
-          </p:nvSpPr>
-          <p:spPr>
-            <a:xfrm>
-              <a:off x="7537487" y="3932555"/>
-              <a:ext cx="1484630" cy="556895"/>
-            </a:xfrm>
-            <a:prstGeom prst="rect">
-              <a:avLst/>
-            </a:prstGeom>
-            <a:ln>
-              <a:solidFill>
-                <a:schemeClr val="tx1"/>
-              </a:solidFill>
-            </a:ln>
-          </p:spPr>
-          <p:style>
-            <a:lnRef idx="2">
-              <a:schemeClr val="accent6"/>
-            </a:lnRef>
-            <a:fillRef idx="1">
-              <a:schemeClr val="lt1"/>
-            </a:fillRef>
-            <a:effectRef idx="0">
-              <a:schemeClr val="accent6"/>
-            </a:effectRef>
-            <a:fontRef idx="minor">
-              <a:schemeClr val="dk1"/>
-            </a:fontRef>
-          </p:style>
-          <p:txBody>
-            <a:bodyPr rtlCol="0" anchor="ctr"/>
-            <a:lstStyle/>
-            <a:p>
-              <a:pPr algn="ctr"/>
-              <a:r>
-                <a:rPr lang="en-US" sz="1200" dirty="0">
-                  <a:latin typeface="Times New Roman" panose="02020603050405020304" pitchFamily="18" charset="0"/>
-                  <a:cs typeface="Times New Roman" panose="02020603050405020304" pitchFamily="18" charset="0"/>
-                </a:rPr>
-                <a:t>Determine the objects distance from the person</a:t>
-              </a:r>
-            </a:p>
-          </p:txBody>
-        </p:sp>
-        <p:sp>
-          <p:nvSpPr>
-            <p:cNvPr id="20" name="Text Box 19"/>
-            <p:cNvSpPr txBox="1"/>
-            <p:nvPr/>
-          </p:nvSpPr>
-          <p:spPr>
-            <a:xfrm>
-              <a:off x="2874682" y="1426782"/>
-              <a:ext cx="2772410" cy="338554"/>
-            </a:xfrm>
-            <a:prstGeom prst="rect">
-              <a:avLst/>
-            </a:prstGeom>
-            <a:noFill/>
-          </p:spPr>
-          <p:txBody>
-            <a:bodyPr wrap="square" rtlCol="0">
-              <a:spAutoFit/>
-            </a:bodyPr>
-            <a:lstStyle/>
-            <a:p>
-              <a:pPr algn="ctr"/>
-              <a:r>
-                <a:rPr lang="en-US" sz="1600" dirty="0">
-                  <a:latin typeface="Times New Roman" panose="02020603050405020304" pitchFamily="18" charset="0"/>
-                  <a:cs typeface="Times New Roman" panose="02020603050405020304" pitchFamily="18" charset="0"/>
-                </a:rPr>
-                <a:t>Blind Person</a:t>
-              </a:r>
-            </a:p>
-          </p:txBody>
-        </p:sp>
-        <p:cxnSp>
-          <p:nvCxnSpPr>
-            <p:cNvPr id="22" name="Straight Arrow Connector 21"/>
-            <p:cNvCxnSpPr>
-              <a:endCxn id="8" idx="1"/>
-            </p:cNvCxnSpPr>
-            <p:nvPr/>
-          </p:nvCxnSpPr>
-          <p:spPr>
-            <a:xfrm flipV="1">
-              <a:off x="4897157" y="1835150"/>
-              <a:ext cx="2691130" cy="782320"/>
-            </a:xfrm>
-            <a:prstGeom prst="straightConnector1">
-              <a:avLst/>
-            </a:prstGeom>
-            <a:ln>
-              <a:solidFill>
-                <a:schemeClr val="tx1"/>
-              </a:solidFill>
-              <a:headEnd type="none" w="med" len="med"/>
-              <a:tailEnd type="triangle" w="med" len="med"/>
-            </a:ln>
-          </p:spPr>
-          <p:style>
-            <a:lnRef idx="1">
-              <a:schemeClr val="accent1"/>
-            </a:lnRef>
-            <a:fillRef idx="0">
-              <a:schemeClr val="accent1"/>
-            </a:fillRef>
-            <a:effectRef idx="0">
-              <a:schemeClr val="accent1"/>
-            </a:effectRef>
-            <a:fontRef idx="minor">
-              <a:schemeClr val="tx1"/>
-            </a:fontRef>
-          </p:style>
-        </p:cxnSp>
-        <p:cxnSp>
-          <p:nvCxnSpPr>
-            <p:cNvPr id="24" name="Straight Arrow Connector 23"/>
-            <p:cNvCxnSpPr>
-              <a:stCxn id="12" idx="1"/>
-              <a:endCxn id="12" idx="1"/>
-            </p:cNvCxnSpPr>
-            <p:nvPr/>
-          </p:nvCxnSpPr>
-          <p:spPr>
-            <a:xfrm>
-              <a:off x="7537487" y="5332730"/>
-              <a:ext cx="0" cy="0"/>
-            </a:xfrm>
-            <a:prstGeom prst="straightConnector1">
-              <a:avLst/>
-            </a:prstGeom>
-            <a:ln>
-              <a:tailEnd type="arrow"/>
-            </a:ln>
-          </p:spPr>
-          <p:style>
-            <a:lnRef idx="1">
-              <a:schemeClr val="accent1"/>
-            </a:lnRef>
-            <a:fillRef idx="0">
-              <a:schemeClr val="accent1"/>
-            </a:fillRef>
-            <a:effectRef idx="0">
-              <a:schemeClr val="accent1"/>
-            </a:effectRef>
-            <a:fontRef idx="minor">
-              <a:schemeClr val="tx1"/>
-            </a:fontRef>
-          </p:style>
-        </p:cxnSp>
-        <p:cxnSp>
-          <p:nvCxnSpPr>
-            <p:cNvPr id="25" name="Straight Arrow Connector 24"/>
-            <p:cNvCxnSpPr/>
-            <p:nvPr/>
-          </p:nvCxnSpPr>
-          <p:spPr>
-            <a:xfrm flipH="1">
-              <a:off x="4920652" y="5344795"/>
-              <a:ext cx="2592705" cy="6985"/>
-            </a:xfrm>
-            <a:prstGeom prst="straightConnector1">
-              <a:avLst/>
-            </a:prstGeom>
-            <a:ln>
-              <a:solidFill>
-                <a:schemeClr val="tx1"/>
-              </a:solidFill>
-              <a:headEnd type="none"/>
-              <a:tailEnd type="triangle" w="med" len="med"/>
-            </a:ln>
-          </p:spPr>
-          <p:style>
-            <a:lnRef idx="1">
-              <a:schemeClr val="accent1"/>
-            </a:lnRef>
-            <a:fillRef idx="0">
-              <a:schemeClr val="accent1"/>
-            </a:fillRef>
-            <a:effectRef idx="0">
-              <a:schemeClr val="accent1"/>
-            </a:effectRef>
-            <a:fontRef idx="minor">
-              <a:schemeClr val="tx1"/>
-            </a:fontRef>
-          </p:style>
-        </p:cxnSp>
-        <p:sp>
-          <p:nvSpPr>
-            <p:cNvPr id="26" name="Text Box 25"/>
-            <p:cNvSpPr txBox="1"/>
-            <p:nvPr/>
-          </p:nvSpPr>
-          <p:spPr>
-            <a:xfrm>
-              <a:off x="7024407" y="976351"/>
-              <a:ext cx="2462530" cy="287655"/>
-            </a:xfrm>
-            <a:prstGeom prst="rect">
-              <a:avLst/>
-            </a:prstGeom>
-            <a:noFill/>
-          </p:spPr>
-          <p:txBody>
-            <a:bodyPr wrap="square" rtlCol="0">
-              <a:spAutoFit/>
-            </a:bodyPr>
-            <a:lstStyle/>
-            <a:p>
-              <a:r>
-                <a:rPr lang="en-US" sz="1200" dirty="0">
-                  <a:latin typeface="Times New Roman" panose="02020603050405020304" pitchFamily="18" charset="0"/>
-                  <a:cs typeface="Times New Roman" panose="02020603050405020304" pitchFamily="18" charset="0"/>
-                </a:rPr>
-                <a:t>Captures Image from video sequence</a:t>
-              </a:r>
-            </a:p>
-          </p:txBody>
-        </p:sp>
-        <p:sp>
-          <p:nvSpPr>
-            <p:cNvPr id="27" name="Text Box 26"/>
-            <p:cNvSpPr txBox="1"/>
-            <p:nvPr/>
-          </p:nvSpPr>
-          <p:spPr>
-            <a:xfrm>
-              <a:off x="5661697" y="4872355"/>
-              <a:ext cx="1291590" cy="460375"/>
-            </a:xfrm>
-            <a:prstGeom prst="rect">
-              <a:avLst/>
-            </a:prstGeom>
-            <a:noFill/>
-          </p:spPr>
-          <p:txBody>
-            <a:bodyPr wrap="square" rtlCol="0">
-              <a:spAutoFit/>
-            </a:bodyPr>
-            <a:lstStyle/>
-            <a:p>
-              <a:r>
-                <a:rPr lang="en-US" sz="1200">
-                  <a:latin typeface="Times New Roman" panose="02020603050405020304" pitchFamily="18" charset="0"/>
-                  <a:cs typeface="Times New Roman" panose="02020603050405020304" pitchFamily="18" charset="0"/>
-                </a:rPr>
-                <a:t>Transfer the </a:t>
-              </a:r>
-            </a:p>
-            <a:p>
-              <a:r>
-                <a:rPr lang="en-US" sz="1200">
-                  <a:latin typeface="Times New Roman" panose="02020603050405020304" pitchFamily="18" charset="0"/>
-                  <a:cs typeface="Times New Roman" panose="02020603050405020304" pitchFamily="18" charset="0"/>
-                </a:rPr>
-                <a:t>audio signal</a:t>
-              </a:r>
-            </a:p>
-          </p:txBody>
-        </p:sp>
-        <p:cxnSp>
-          <p:nvCxnSpPr>
-            <p:cNvPr id="28" name="Straight Arrow Connector 27"/>
-            <p:cNvCxnSpPr>
-              <a:endCxn id="9" idx="0"/>
-            </p:cNvCxnSpPr>
-            <p:nvPr/>
-          </p:nvCxnSpPr>
-          <p:spPr>
-            <a:xfrm>
-              <a:off x="8274087" y="2074545"/>
-              <a:ext cx="6350" cy="292735"/>
-            </a:xfrm>
-            <a:prstGeom prst="straightConnector1">
-              <a:avLst/>
-            </a:prstGeom>
-            <a:ln>
-              <a:solidFill>
-                <a:schemeClr val="tx1"/>
-              </a:solidFill>
-              <a:headEnd type="none"/>
-              <a:tailEnd type="triangle" w="med" len="med"/>
-            </a:ln>
-          </p:spPr>
-          <p:style>
-            <a:lnRef idx="1">
-              <a:schemeClr val="accent1"/>
-            </a:lnRef>
-            <a:fillRef idx="0">
-              <a:schemeClr val="accent1"/>
-            </a:fillRef>
-            <a:effectRef idx="0">
-              <a:schemeClr val="accent1"/>
-            </a:effectRef>
-            <a:fontRef idx="minor">
-              <a:schemeClr val="tx1"/>
-            </a:fontRef>
-          </p:style>
-        </p:cxnSp>
-        <p:cxnSp>
-          <p:nvCxnSpPr>
-            <p:cNvPr id="29" name="Straight Arrow Connector 28"/>
-            <p:cNvCxnSpPr/>
-            <p:nvPr/>
-          </p:nvCxnSpPr>
-          <p:spPr>
-            <a:xfrm flipH="1">
-              <a:off x="8296947" y="2850515"/>
-              <a:ext cx="8255" cy="290195"/>
-            </a:xfrm>
-            <a:prstGeom prst="straightConnector1">
-              <a:avLst/>
-            </a:prstGeom>
-            <a:ln>
-              <a:solidFill>
-                <a:schemeClr val="tx1"/>
-              </a:solidFill>
-              <a:headEnd type="none"/>
-              <a:tailEnd type="triangle" w="med" len="med"/>
-            </a:ln>
-          </p:spPr>
-          <p:style>
-            <a:lnRef idx="1">
-              <a:schemeClr val="accent1"/>
-            </a:lnRef>
-            <a:fillRef idx="0">
-              <a:schemeClr val="accent1"/>
-            </a:fillRef>
-            <a:effectRef idx="0">
-              <a:schemeClr val="accent1"/>
-            </a:effectRef>
-            <a:fontRef idx="minor">
-              <a:schemeClr val="tx1"/>
-            </a:fontRef>
-          </p:style>
-        </p:cxnSp>
-        <p:cxnSp>
-          <p:nvCxnSpPr>
-            <p:cNvPr id="30" name="Straight Arrow Connector 29"/>
-            <p:cNvCxnSpPr>
-              <a:endCxn id="13" idx="0"/>
-            </p:cNvCxnSpPr>
-            <p:nvPr/>
-          </p:nvCxnSpPr>
-          <p:spPr>
-            <a:xfrm flipH="1">
-              <a:off x="8279802" y="3626485"/>
-              <a:ext cx="635" cy="306070"/>
-            </a:xfrm>
-            <a:prstGeom prst="straightConnector1">
-              <a:avLst/>
-            </a:prstGeom>
-            <a:ln>
-              <a:solidFill>
-                <a:schemeClr val="tx1"/>
-              </a:solidFill>
-              <a:headEnd type="none"/>
-              <a:tailEnd type="triangle" w="med" len="med"/>
-            </a:ln>
-          </p:spPr>
-          <p:style>
-            <a:lnRef idx="1">
-              <a:schemeClr val="accent1"/>
-            </a:lnRef>
-            <a:fillRef idx="0">
-              <a:schemeClr val="accent1"/>
-            </a:fillRef>
-            <a:effectRef idx="0">
-              <a:schemeClr val="accent1"/>
-            </a:effectRef>
-            <a:fontRef idx="minor">
-              <a:schemeClr val="tx1"/>
-            </a:fontRef>
-          </p:style>
-        </p:cxnSp>
-        <p:cxnSp>
-          <p:nvCxnSpPr>
-            <p:cNvPr id="31" name="Straight Arrow Connector 30"/>
-            <p:cNvCxnSpPr>
-              <a:stCxn id="13" idx="2"/>
-              <a:endCxn id="12" idx="0"/>
-            </p:cNvCxnSpPr>
-            <p:nvPr/>
-          </p:nvCxnSpPr>
-          <p:spPr>
-            <a:xfrm>
-              <a:off x="8279802" y="4489450"/>
-              <a:ext cx="0" cy="477520"/>
-            </a:xfrm>
-            <a:prstGeom prst="straightConnector1">
-              <a:avLst/>
-            </a:prstGeom>
-            <a:ln>
-              <a:solidFill>
-                <a:schemeClr val="tx1"/>
-              </a:solidFill>
-              <a:headEnd type="none"/>
-              <a:tailEnd type="triangle" w="med" len="med"/>
-            </a:ln>
-          </p:spPr>
-          <p:style>
-            <a:lnRef idx="1">
-              <a:schemeClr val="accent1"/>
-            </a:lnRef>
-            <a:fillRef idx="0">
-              <a:schemeClr val="accent1"/>
-            </a:fillRef>
-            <a:effectRef idx="0">
-              <a:schemeClr val="accent1"/>
-            </a:effectRef>
-            <a:fontRef idx="minor">
-              <a:schemeClr val="tx1"/>
-            </a:fontRef>
-          </p:style>
-        </p:cxnSp>
-      </p:grpSp>
       <p:pic>
         <p:nvPicPr>
           <p:cNvPr id="32" name="Google Shape;59;p13"/>
@@ -9502,61 +8497,42 @@
           </a:ln>
         </p:spPr>
       </p:pic>
-      <p:sp>
-        <p:nvSpPr>
-          <p:cNvPr id="14" name="Rectangles 5">
+      <p:pic>
+        <p:nvPicPr>
+          <p:cNvPr id="17" name="Picture 16">
             <a:extLst>
               <a:ext uri="{FF2B5EF4-FFF2-40B4-BE49-F238E27FC236}">
-                <a16:creationId xmlns:a16="http://schemas.microsoft.com/office/drawing/2014/main" id="{4D417DC3-8E72-8DA9-28E0-D705CC084ED0}"/>
+                <a16:creationId xmlns:a16="http://schemas.microsoft.com/office/drawing/2014/main" id="{FD32F739-C8C2-9B63-62E5-CBCE151F93C1}"/>
               </a:ext>
             </a:extLst>
           </p:cNvPr>
-          <p:cNvSpPr/>
+          <p:cNvPicPr>
+            <a:picLocks noChangeAspect="1"/>
+          </p:cNvPicPr>
           <p:nvPr/>
-        </p:nvSpPr>
-        <p:spPr>
-          <a:xfrm>
-            <a:off x="3544679" y="5774607"/>
-            <a:ext cx="1195388" cy="175672"/>
+        </p:nvPicPr>
+        <p:blipFill>
+          <a:blip r:embed="rId3">
+            <a:extLst>
+              <a:ext uri="{28A0092B-C50C-407E-A947-70E740481C1C}">
+                <a14:useLocalDpi xmlns:a14="http://schemas.microsoft.com/office/drawing/2010/main" val="0"/>
+              </a:ext>
+            </a:extLst>
+          </a:blip>
+          <a:stretch>
+            <a:fillRect/>
+          </a:stretch>
+        </p:blipFill>
+        <p:spPr>
+          <a:xfrm>
+            <a:off x="3397623" y="821244"/>
+            <a:ext cx="5624753" cy="5624753"/>
           </a:xfrm>
           <a:prstGeom prst="rect">
             <a:avLst/>
           </a:prstGeom>
-          <a:ln>
-            <a:solidFill>
-              <a:schemeClr val="tx1"/>
-            </a:solidFill>
-          </a:ln>
-        </p:spPr>
-        <p:style>
-          <a:lnRef idx="2">
-            <a:schemeClr val="accent6"/>
-          </a:lnRef>
-          <a:fillRef idx="1">
-            <a:schemeClr val="lt1"/>
-          </a:fillRef>
-          <a:effectRef idx="0">
-            <a:schemeClr val="accent6"/>
-          </a:effectRef>
-          <a:fontRef idx="minor">
-            <a:schemeClr val="dk1"/>
-          </a:fontRef>
-        </p:style>
-        <p:txBody>
-          <a:bodyPr rtlCol="0" anchor="ctr"/>
-          <a:lstStyle/>
-          <a:p>
-            <a:pPr algn="ctr"/>
-            <a:r>
-              <a:rPr lang="en-US" sz="1200" dirty="0">
-                <a:latin typeface="Times New Roman" panose="02020603050405020304" pitchFamily="18" charset="0"/>
-                <a:cs typeface="Times New Roman" panose="02020603050405020304" pitchFamily="18" charset="0"/>
-              </a:rPr>
-              <a:t>Playable device</a:t>
-            </a:r>
-          </a:p>
-        </p:txBody>
-      </p:sp>
+        </p:spPr>
+      </p:pic>
     </p:spTree>
   </p:cSld>
   <p:clrMapOvr>
